--- a/Introduction-to-Inline-Functions-and-Function-Pointers-in-C.pptx
+++ b/Introduction-to-Inline-Functions-and-Function-Pointers-in-C.pptx
@@ -17,6 +17,8 @@
     <p:sldId id="262" r:id="rId10"/>
     <p:sldId id="263" r:id="rId11"/>
     <p:sldId id="264" r:id="rId12"/>
+    <p:sldId id="267" r:id="rId13"/>
+    <p:sldId id="268" r:id="rId14"/>
   </p:sldIdLst>
   <p:sldSz cx="14630400" cy="8229600"/>
   <p:notesSz cx="8229600" cy="14630400"/>
@@ -540,6 +542,162 @@
 </p:notes>
 </file>
 
+<file path=ppt/notesSlides/notesSlide10.xml><?xml version="1.0" encoding="utf-8"?>
+<p:notes xmlns:a="http://schemas.openxmlformats.org/drawingml/2006/main" xmlns:r="http://schemas.openxmlformats.org/officeDocument/2006/relationships" xmlns:p="http://schemas.openxmlformats.org/presentationml/2006/main">
+  <p:cSld>
+    <p:spTree>
+      <p:nvGrpSpPr>
+        <p:cNvPr id="1" name=""/>
+        <p:cNvGrpSpPr/>
+        <p:nvPr/>
+      </p:nvGrpSpPr>
+      <p:grpSpPr>
+        <a:xfrm>
+          <a:off x="0" y="0"/>
+          <a:ext cx="0" cy="0"/>
+          <a:chOff x="0" y="0"/>
+          <a:chExt cx="0" cy="0"/>
+        </a:xfrm>
+      </p:grpSpPr>
+      <p:sp>
+        <p:nvSpPr>
+          <p:cNvPr id="2" name="Slide Image Placeholder 1"/>
+          <p:cNvSpPr>
+            <a:spLocks noGrp="1" noRot="1" noChangeAspect="1"/>
+          </p:cNvSpPr>
+          <p:nvPr>
+            <p:ph type="sldImg"/>
+          </p:nvPr>
+        </p:nvSpPr>
+        <p:spPr/>
+      </p:sp>
+      <p:sp>
+        <p:nvSpPr>
+          <p:cNvPr id="3" name="Notes Placeholder 2"/>
+          <p:cNvSpPr>
+            <a:spLocks noGrp="1"/>
+          </p:cNvSpPr>
+          <p:nvPr>
+            <p:ph type="body" idx="1"/>
+          </p:nvPr>
+        </p:nvSpPr>
+        <p:spPr/>
+        <p:txBody>
+          <a:bodyPr/>
+          <a:lstStyle/>
+          <a:p>
+            <a:endParaRPr lang="en-US" dirty="0"/>
+          </a:p>
+        </p:txBody>
+      </p:sp>
+      <p:sp>
+        <p:nvSpPr>
+          <p:cNvPr id="4" name="Slide Number Placeholder 3"/>
+          <p:cNvSpPr>
+            <a:spLocks noGrp="1"/>
+          </p:cNvSpPr>
+          <p:nvPr>
+            <p:ph type="sldNum" sz="quarter" idx="10"/>
+          </p:nvPr>
+        </p:nvSpPr>
+        <p:spPr/>
+        <p:txBody>
+          <a:bodyPr/>
+          <a:lstStyle/>
+          <a:p>
+            <a:fld id="{F7021451-1387-4CA6-816F-3879F97B5CBC}" type="slidenum">
+              <a:rPr lang="en-US"/>
+            </a:fld>
+            <a:endParaRPr lang="en-US"/>
+          </a:p>
+        </p:txBody>
+      </p:sp>
+    </p:spTree>
+  </p:cSld>
+  <p:clrMapOvr>
+    <a:masterClrMapping/>
+  </p:clrMapOvr>
+</p:notes>
+</file>
+
+<file path=ppt/notesSlides/notesSlide11.xml><?xml version="1.0" encoding="utf-8"?>
+<p:notes xmlns:a="http://schemas.openxmlformats.org/drawingml/2006/main" xmlns:r="http://schemas.openxmlformats.org/officeDocument/2006/relationships" xmlns:p="http://schemas.openxmlformats.org/presentationml/2006/main">
+  <p:cSld>
+    <p:spTree>
+      <p:nvGrpSpPr>
+        <p:cNvPr id="1" name=""/>
+        <p:cNvGrpSpPr/>
+        <p:nvPr/>
+      </p:nvGrpSpPr>
+      <p:grpSpPr>
+        <a:xfrm>
+          <a:off x="0" y="0"/>
+          <a:ext cx="0" cy="0"/>
+          <a:chOff x="0" y="0"/>
+          <a:chExt cx="0" cy="0"/>
+        </a:xfrm>
+      </p:grpSpPr>
+      <p:sp>
+        <p:nvSpPr>
+          <p:cNvPr id="2" name="Slide Image Placeholder 1"/>
+          <p:cNvSpPr>
+            <a:spLocks noGrp="1" noRot="1" noChangeAspect="1"/>
+          </p:cNvSpPr>
+          <p:nvPr>
+            <p:ph type="sldImg"/>
+          </p:nvPr>
+        </p:nvSpPr>
+        <p:spPr/>
+      </p:sp>
+      <p:sp>
+        <p:nvSpPr>
+          <p:cNvPr id="3" name="Notes Placeholder 2"/>
+          <p:cNvSpPr>
+            <a:spLocks noGrp="1"/>
+          </p:cNvSpPr>
+          <p:nvPr>
+            <p:ph type="body" idx="1"/>
+          </p:nvPr>
+        </p:nvSpPr>
+        <p:spPr/>
+        <p:txBody>
+          <a:bodyPr/>
+          <a:lstStyle/>
+          <a:p>
+            <a:endParaRPr lang="en-US" dirty="0"/>
+          </a:p>
+        </p:txBody>
+      </p:sp>
+      <p:sp>
+        <p:nvSpPr>
+          <p:cNvPr id="4" name="Slide Number Placeholder 3"/>
+          <p:cNvSpPr>
+            <a:spLocks noGrp="1"/>
+          </p:cNvSpPr>
+          <p:nvPr>
+            <p:ph type="sldNum" sz="quarter" idx="10"/>
+          </p:nvPr>
+        </p:nvSpPr>
+        <p:spPr/>
+        <p:txBody>
+          <a:bodyPr/>
+          <a:lstStyle/>
+          <a:p>
+            <a:fld id="{F7021451-1387-4CA6-816F-3879F97B5CBC}" type="slidenum">
+              <a:rPr lang="en-US"/>
+            </a:fld>
+            <a:endParaRPr lang="en-US"/>
+          </a:p>
+        </p:txBody>
+      </p:sp>
+    </p:spTree>
+  </p:cSld>
+  <p:clrMapOvr>
+    <a:masterClrMapping/>
+  </p:clrMapOvr>
+</p:notes>
+</file>
+
 <file path=ppt/notesSlides/notesSlide2.xml><?xml version="1.0" encoding="utf-8"?>
 <p:notes xmlns:a="http://schemas.openxmlformats.org/drawingml/2006/main" xmlns:r="http://schemas.openxmlformats.org/officeDocument/2006/relationships" xmlns:p="http://schemas.openxmlformats.org/presentationml/2006/main">
   <p:cSld>
@@ -1619,34 +1777,9 @@
           </a:p>
         </p:txBody>
       </p:sp>
-      <p:sp>
-        <p:nvSpPr>
-          <p:cNvPr id="6" name="Shape 4"/>
-          <p:cNvSpPr/>
-          <p:nvPr/>
-        </p:nvSpPr>
-        <p:spPr>
-          <a:xfrm>
-            <a:off x="833199" y="6167080"/>
-            <a:ext cx="355402" cy="355402"/>
-          </a:xfrm>
-          <a:prstGeom prst="roundRect">
-            <a:avLst>
-              <a:gd name="adj" fmla="val 25726039"/>
-            </a:avLst>
-          </a:prstGeom>
-          <a:noFill/>
-          <a:ln w="7620">
-            <a:solidFill>
-              <a:srgbClr val="FFFFFF"/>
-            </a:solidFill>
-            <a:prstDash val="solid"/>
-          </a:ln>
-        </p:spPr>
-      </p:sp>
       <p:pic>
         <p:nvPicPr>
-          <p:cNvPr id="7" name="Image 0" descr="preencoded.png"/>
+          <p:cNvPr id="9" name="Image 1" descr="preencoded.png"/>
           <p:cNvPicPr>
             <a:picLocks noChangeAspect="1"/>
           </p:cNvPicPr>
@@ -1660,24 +1793,93 @@
         </p:blipFill>
         <p:spPr>
           <a:xfrm>
-            <a:off x="840819" y="6174700"/>
-            <a:ext cx="340162" cy="340162"/>
+            <a:off x="9144000" y="0"/>
+            <a:ext cx="5486400" cy="8229600"/>
           </a:xfrm>
           <a:prstGeom prst="rect">
             <a:avLst/>
           </a:prstGeom>
         </p:spPr>
       </p:pic>
-      <p:sp>
-        <p:nvSpPr>
-          <p:cNvPr id="8" name="Text 5"/>
-          <p:cNvSpPr/>
-          <p:nvPr/>
-        </p:nvSpPr>
-        <p:spPr>
-          <a:xfrm>
-            <a:off x="1299686" y="6172557"/>
-            <a:ext cx="1099899" cy="388858"/>
+    </p:spTree>
+  </p:cSld>
+  <p:clrMapOvr>
+    <a:masterClrMapping/>
+  </p:clrMapOvr>
+</p:sld>
+</file>
+
+<file path=ppt/slides/slide10.xml><?xml version="1.0" encoding="utf-8"?>
+<p:sld xmlns:a="http://schemas.openxmlformats.org/drawingml/2006/main" xmlns:r="http://schemas.openxmlformats.org/officeDocument/2006/relationships" xmlns:p="http://schemas.openxmlformats.org/presentationml/2006/main">
+  <p:cSld>
+    <p:spTree>
+      <p:nvGrpSpPr>
+        <p:cNvPr id="1" name=""/>
+        <p:cNvGrpSpPr/>
+        <p:nvPr/>
+      </p:nvGrpSpPr>
+      <p:grpSpPr>
+        <a:xfrm>
+          <a:off x="0" y="0"/>
+          <a:ext cx="0" cy="0"/>
+          <a:chOff x="0" y="0"/>
+          <a:chExt cx="0" cy="0"/>
+        </a:xfrm>
+      </p:grpSpPr>
+      <p:sp>
+        <p:nvSpPr>
+          <p:cNvPr id="2" name="Shape 0"/>
+          <p:cNvSpPr/>
+          <p:nvPr/>
+        </p:nvSpPr>
+        <p:spPr>
+          <a:xfrm>
+            <a:off x="0" y="0"/>
+            <a:ext cx="14630400" cy="8229600"/>
+          </a:xfrm>
+          <a:prstGeom prst="rect">
+            <a:avLst/>
+          </a:prstGeom>
+          <a:solidFill>
+            <a:srgbClr val="0C0C0C"/>
+          </a:solidFill>
+        </p:spPr>
+      </p:sp>
+      <p:sp>
+        <p:nvSpPr>
+          <p:cNvPr id="3" name="Shape 1"/>
+          <p:cNvSpPr/>
+          <p:nvPr/>
+        </p:nvSpPr>
+        <p:spPr>
+          <a:xfrm>
+            <a:off x="0" y="0"/>
+            <a:ext cx="14630400" cy="8229600"/>
+          </a:xfrm>
+          <a:prstGeom prst="rect">
+            <a:avLst/>
+          </a:prstGeom>
+          <a:solidFill>
+            <a:srgbClr val="272525"/>
+          </a:solidFill>
+          <a:ln w="13811">
+            <a:solidFill>
+              <a:srgbClr val="565151"/>
+            </a:solidFill>
+            <a:prstDash val="solid"/>
+          </a:ln>
+        </p:spPr>
+      </p:sp>
+      <p:sp>
+        <p:nvSpPr>
+          <p:cNvPr id="4" name="Text 2"/>
+          <p:cNvSpPr/>
+          <p:nvPr/>
+        </p:nvSpPr>
+        <p:spPr>
+          <a:xfrm>
+            <a:off x="6319520" y="742315"/>
+            <a:ext cx="6759575" cy="908050"/>
           </a:xfrm>
           <a:prstGeom prst="rect">
             <a:avLst/>
@@ -1685,17 +1887,58 @@
           <a:noFill/>
         </p:spPr>
         <p:txBody>
+          <a:bodyPr wrap="square" rtlCol="0" anchor="t"/>
+          <a:lstStyle/>
+          <a:p>
+            <a:pPr marL="0" indent="0" algn="ctr">
+              <a:lnSpc>
+                <a:spcPts val="5470"/>
+              </a:lnSpc>
+              <a:buNone/>
+            </a:pPr>
+            <a:r>
+              <a:rPr lang="en-US" sz="4375" b="1" kern="0" spc="-131" dirty="0">
+                <a:solidFill>
+                  <a:srgbClr val="FFFFFF"/>
+                </a:solidFill>
+                <a:latin typeface="Inter" pitchFamily="34" charset="0"/>
+                <a:ea typeface="Inter" pitchFamily="34" charset="-122"/>
+                <a:cs typeface="Inter" pitchFamily="34" charset="-120"/>
+              </a:rPr>
+              <a:t>Qsort()</a:t>
+            </a:r>
+            <a:endParaRPr lang="en-US" sz="4375" dirty="0"/>
+          </a:p>
+        </p:txBody>
+      </p:sp>
+      <p:sp>
+        <p:nvSpPr>
+          <p:cNvPr id="7" name="Text 5"/>
+          <p:cNvSpPr/>
+          <p:nvPr/>
+        </p:nvSpPr>
+        <p:spPr>
+          <a:xfrm>
+            <a:off x="6319520" y="1727200"/>
+            <a:ext cx="4037965" cy="607060"/>
+          </a:xfrm>
+          <a:prstGeom prst="rect">
+            <a:avLst/>
+          </a:prstGeom>
+          <a:noFill/>
+        </p:spPr>
+        <p:txBody>
           <a:bodyPr wrap="none" rtlCol="0" anchor="t"/>
           <a:lstStyle/>
           <a:p>
-            <a:pPr marL="0" indent="0" algn="l">
-              <a:lnSpc>
-                <a:spcPts val="3060"/>
-              </a:lnSpc>
-              <a:buNone/>
-            </a:pPr>
-            <a:r>
-              <a:rPr lang="en-US" sz="2185" b="1" kern="0" spc="-35" dirty="0">
+            <a:pPr marL="0" indent="0">
+              <a:lnSpc>
+                <a:spcPts val="2735"/>
+              </a:lnSpc>
+              <a:buNone/>
+            </a:pPr>
+            <a:r>
+              <a:rPr lang="en-US" sz="2800" b="1" kern="0" spc="-66" dirty="0">
                 <a:solidFill>
                   <a:srgbClr val="E5E0DF"/>
                 </a:solidFill>
@@ -1703,29 +1946,566 @@
                 <a:ea typeface="Inter" pitchFamily="34" charset="-122"/>
                 <a:cs typeface="Inter" pitchFamily="34" charset="-120"/>
               </a:rPr>
-              <a:t>by T Bae</a:t>
-            </a:r>
-            <a:endParaRPr lang="en-US" sz="2185" dirty="0"/>
+              <a:t>Used to sort and array</a:t>
+            </a:r>
+            <a:endParaRPr lang="en-US" sz="2800" dirty="0"/>
+          </a:p>
+        </p:txBody>
+      </p:sp>
+      <p:sp>
+        <p:nvSpPr>
+          <p:cNvPr id="8" name="Text 6"/>
+          <p:cNvSpPr/>
+          <p:nvPr/>
+        </p:nvSpPr>
+        <p:spPr>
+          <a:xfrm>
+            <a:off x="6323330" y="2411095"/>
+            <a:ext cx="6755765" cy="3103880"/>
+          </a:xfrm>
+          <a:prstGeom prst="rect">
+            <a:avLst/>
+          </a:prstGeom>
+          <a:noFill/>
+        </p:spPr>
+        <p:txBody>
+          <a:bodyPr wrap="square" rtlCol="0" anchor="t"/>
+          <a:lstStyle/>
+          <a:p>
+            <a:pPr marL="0" indent="0">
+              <a:lnSpc>
+                <a:spcPts val="2800"/>
+              </a:lnSpc>
+              <a:buNone/>
+            </a:pPr>
+            <a:r>
+              <a:rPr lang="en-US" sz="2800" kern="0" spc="-35" dirty="0">
+                <a:solidFill>
+                  <a:srgbClr val="E5E0DF"/>
+                </a:solidFill>
+                <a:latin typeface="Inter" pitchFamily="34" charset="0"/>
+                <a:ea typeface="Inter" pitchFamily="34" charset="-122"/>
+                <a:cs typeface="Inter" pitchFamily="34" charset="-120"/>
+              </a:rPr>
+              <a:t>Syntax: </a:t>
+            </a:r>
+            <a:endParaRPr lang="en-US" sz="2800" kern="0" spc="-35" dirty="0">
+              <a:solidFill>
+                <a:srgbClr val="E5E0DF"/>
+              </a:solidFill>
+              <a:latin typeface="Inter" pitchFamily="34" charset="0"/>
+              <a:ea typeface="Inter" pitchFamily="34" charset="-122"/>
+              <a:cs typeface="Inter" pitchFamily="34" charset="-120"/>
+            </a:endParaRPr>
+          </a:p>
+          <a:p>
+            <a:pPr marL="0" indent="0">
+              <a:lnSpc>
+                <a:spcPts val="2800"/>
+              </a:lnSpc>
+              <a:buNone/>
+            </a:pPr>
+            <a:endParaRPr lang="en-US" sz="2800" kern="0" spc="-35" dirty="0">
+              <a:solidFill>
+                <a:srgbClr val="E5E0DF"/>
+              </a:solidFill>
+              <a:latin typeface="Inter" pitchFamily="34" charset="0"/>
+              <a:ea typeface="Inter" pitchFamily="34" charset="-122"/>
+              <a:cs typeface="Inter" pitchFamily="34" charset="-120"/>
+            </a:endParaRPr>
+          </a:p>
+          <a:p>
+            <a:pPr marL="0" indent="0">
+              <a:lnSpc>
+                <a:spcPts val="2800"/>
+              </a:lnSpc>
+              <a:buNone/>
+            </a:pPr>
+            <a:r>
+              <a:rPr lang="en-US" sz="2800" kern="0" spc="-35" dirty="0">
+                <a:solidFill>
+                  <a:srgbClr val="E5E0DF"/>
+                </a:solidFill>
+                <a:latin typeface="Inter" pitchFamily="34" charset="0"/>
+                <a:ea typeface="Inter" pitchFamily="34" charset="-122"/>
+                <a:cs typeface="Inter" pitchFamily="34" charset="-120"/>
+              </a:rPr>
+              <a:t>void qsort(base, nitems, size, int (*compar)(const void *, const void*))</a:t>
+            </a:r>
+            <a:endParaRPr lang="en-US" sz="2800" kern="0" spc="-35" dirty="0">
+              <a:solidFill>
+                <a:srgbClr val="E5E0DF"/>
+              </a:solidFill>
+              <a:latin typeface="Inter" pitchFamily="34" charset="0"/>
+              <a:ea typeface="Inter" pitchFamily="34" charset="-122"/>
+              <a:cs typeface="Inter" pitchFamily="34" charset="-120"/>
+            </a:endParaRPr>
+          </a:p>
+          <a:p>
+            <a:pPr marL="0" indent="0">
+              <a:lnSpc>
+                <a:spcPts val="2800"/>
+              </a:lnSpc>
+              <a:buNone/>
+            </a:pPr>
+            <a:endParaRPr lang="en-US" sz="2800" kern="0" spc="-35" dirty="0">
+              <a:solidFill>
+                <a:srgbClr val="E5E0DF"/>
+              </a:solidFill>
+              <a:latin typeface="Inter" pitchFamily="34" charset="0"/>
+              <a:ea typeface="Inter" pitchFamily="34" charset="-122"/>
+              <a:cs typeface="Inter" pitchFamily="34" charset="-120"/>
+            </a:endParaRPr>
+          </a:p>
+          <a:p>
+            <a:pPr marL="0" indent="0">
+              <a:lnSpc>
+                <a:spcPts val="2800"/>
+              </a:lnSpc>
+              <a:buNone/>
+            </a:pPr>
+            <a:r>
+              <a:rPr lang="en-US" sz="2800" kern="0" spc="-35" dirty="0">
+                <a:solidFill>
+                  <a:srgbClr val="E5E0DF"/>
+                </a:solidFill>
+                <a:latin typeface="Inter" pitchFamily="34" charset="0"/>
+                <a:ea typeface="Inter" pitchFamily="34" charset="-122"/>
+                <a:cs typeface="Inter" pitchFamily="34" charset="-120"/>
+              </a:rPr>
+              <a:t>base − This is the pointer to the first element of the array to be sorted.</a:t>
+            </a:r>
+            <a:endParaRPr lang="en-US" sz="2800" kern="0" spc="-35" dirty="0">
+              <a:solidFill>
+                <a:srgbClr val="E5E0DF"/>
+              </a:solidFill>
+              <a:latin typeface="Inter" pitchFamily="34" charset="0"/>
+              <a:ea typeface="Inter" pitchFamily="34" charset="-122"/>
+              <a:cs typeface="Inter" pitchFamily="34" charset="-120"/>
+            </a:endParaRPr>
+          </a:p>
+          <a:p>
+            <a:pPr marL="0" indent="0">
+              <a:lnSpc>
+                <a:spcPts val="2800"/>
+              </a:lnSpc>
+              <a:buNone/>
+            </a:pPr>
+            <a:r>
+              <a:rPr lang="en-US" sz="2800" kern="0" spc="-35" dirty="0">
+                <a:solidFill>
+                  <a:srgbClr val="E5E0DF"/>
+                </a:solidFill>
+                <a:latin typeface="Inter" pitchFamily="34" charset="0"/>
+                <a:ea typeface="Inter" pitchFamily="34" charset="-122"/>
+                <a:cs typeface="Inter" pitchFamily="34" charset="-120"/>
+              </a:rPr>
+              <a:t>nitems − This is the number of elements in the array pointed by base.</a:t>
+            </a:r>
+            <a:endParaRPr lang="en-US" sz="2800" kern="0" spc="-35" dirty="0">
+              <a:solidFill>
+                <a:srgbClr val="E5E0DF"/>
+              </a:solidFill>
+              <a:latin typeface="Inter" pitchFamily="34" charset="0"/>
+              <a:ea typeface="Inter" pitchFamily="34" charset="-122"/>
+              <a:cs typeface="Inter" pitchFamily="34" charset="-120"/>
+            </a:endParaRPr>
+          </a:p>
+          <a:p>
+            <a:pPr marL="0" indent="0">
+              <a:lnSpc>
+                <a:spcPts val="2800"/>
+              </a:lnSpc>
+              <a:buNone/>
+            </a:pPr>
+            <a:r>
+              <a:rPr lang="en-US" sz="2800" kern="0" spc="-35" dirty="0">
+                <a:solidFill>
+                  <a:srgbClr val="E5E0DF"/>
+                </a:solidFill>
+                <a:latin typeface="Inter" pitchFamily="34" charset="0"/>
+                <a:ea typeface="Inter" pitchFamily="34" charset="-122"/>
+                <a:cs typeface="Inter" pitchFamily="34" charset="-120"/>
+              </a:rPr>
+              <a:t>size − This is the size in bytes of each element in the array.</a:t>
+            </a:r>
+            <a:endParaRPr lang="en-US" sz="2800" kern="0" spc="-35" dirty="0">
+              <a:solidFill>
+                <a:srgbClr val="E5E0DF"/>
+              </a:solidFill>
+              <a:latin typeface="Inter" pitchFamily="34" charset="0"/>
+              <a:ea typeface="Inter" pitchFamily="34" charset="-122"/>
+              <a:cs typeface="Inter" pitchFamily="34" charset="-120"/>
+            </a:endParaRPr>
+          </a:p>
+          <a:p>
+            <a:pPr marL="0" indent="0">
+              <a:lnSpc>
+                <a:spcPts val="2800"/>
+              </a:lnSpc>
+              <a:buNone/>
+            </a:pPr>
+            <a:r>
+              <a:rPr lang="en-US" sz="2800" kern="0" spc="-35" dirty="0">
+                <a:solidFill>
+                  <a:srgbClr val="E5E0DF"/>
+                </a:solidFill>
+                <a:latin typeface="Inter" pitchFamily="34" charset="0"/>
+                <a:ea typeface="Inter" pitchFamily="34" charset="-122"/>
+                <a:cs typeface="Inter" pitchFamily="34" charset="-120"/>
+              </a:rPr>
+              <a:t>compar − This is the function that compares two elements.</a:t>
+            </a:r>
+            <a:endParaRPr lang="en-US" sz="2800" kern="0" spc="-35" dirty="0">
+              <a:solidFill>
+                <a:srgbClr val="E5E0DF"/>
+              </a:solidFill>
+              <a:latin typeface="Inter" pitchFamily="34" charset="0"/>
+              <a:ea typeface="Inter" pitchFamily="34" charset="-122"/>
+              <a:cs typeface="Inter" pitchFamily="34" charset="-120"/>
+            </a:endParaRPr>
           </a:p>
         </p:txBody>
       </p:sp>
       <p:pic>
         <p:nvPicPr>
-          <p:cNvPr id="9" name="Image 1" descr="preencoded.png"/>
+          <p:cNvPr id="13" name="Image 0" descr="preencoded.png"/>
           <p:cNvPicPr>
             <a:picLocks noChangeAspect="1"/>
           </p:cNvPicPr>
           <p:nvPr/>
         </p:nvPicPr>
         <p:blipFill>
-          <a:blip r:embed="rId2"/>
+          <a:blip r:embed="rId1"/>
           <a:stretch>
             <a:fillRect/>
           </a:stretch>
         </p:blipFill>
         <p:spPr>
           <a:xfrm>
-            <a:off x="9144000" y="0"/>
+            <a:off x="0" y="0"/>
+            <a:ext cx="5486400" cy="8229600"/>
+          </a:xfrm>
+          <a:prstGeom prst="rect">
+            <a:avLst/>
+          </a:prstGeom>
+        </p:spPr>
+      </p:pic>
+    </p:spTree>
+  </p:cSld>
+  <p:clrMapOvr>
+    <a:masterClrMapping/>
+  </p:clrMapOvr>
+</p:sld>
+</file>
+
+<file path=ppt/slides/slide11.xml><?xml version="1.0" encoding="utf-8"?>
+<p:sld xmlns:a="http://schemas.openxmlformats.org/drawingml/2006/main" xmlns:r="http://schemas.openxmlformats.org/officeDocument/2006/relationships" xmlns:p="http://schemas.openxmlformats.org/presentationml/2006/main">
+  <p:cSld>
+    <p:spTree>
+      <p:nvGrpSpPr>
+        <p:cNvPr id="1" name=""/>
+        <p:cNvGrpSpPr/>
+        <p:nvPr/>
+      </p:nvGrpSpPr>
+      <p:grpSpPr>
+        <a:xfrm>
+          <a:off x="0" y="0"/>
+          <a:ext cx="0" cy="0"/>
+          <a:chOff x="0" y="0"/>
+          <a:chExt cx="0" cy="0"/>
+        </a:xfrm>
+      </p:grpSpPr>
+      <p:sp>
+        <p:nvSpPr>
+          <p:cNvPr id="2" name="Shape 0"/>
+          <p:cNvSpPr/>
+          <p:nvPr/>
+        </p:nvSpPr>
+        <p:spPr>
+          <a:xfrm>
+            <a:off x="0" y="0"/>
+            <a:ext cx="14630400" cy="8229600"/>
+          </a:xfrm>
+          <a:prstGeom prst="rect">
+            <a:avLst/>
+          </a:prstGeom>
+          <a:solidFill>
+            <a:srgbClr val="0C0C0C"/>
+          </a:solidFill>
+        </p:spPr>
+      </p:sp>
+      <p:sp>
+        <p:nvSpPr>
+          <p:cNvPr id="3" name="Shape 1"/>
+          <p:cNvSpPr/>
+          <p:nvPr/>
+        </p:nvSpPr>
+        <p:spPr>
+          <a:xfrm>
+            <a:off x="0" y="0"/>
+            <a:ext cx="14630400" cy="8229600"/>
+          </a:xfrm>
+          <a:prstGeom prst="rect">
+            <a:avLst/>
+          </a:prstGeom>
+          <a:solidFill>
+            <a:srgbClr val="272525"/>
+          </a:solidFill>
+          <a:ln w="13811">
+            <a:solidFill>
+              <a:srgbClr val="565151"/>
+            </a:solidFill>
+            <a:prstDash val="solid"/>
+          </a:ln>
+        </p:spPr>
+      </p:sp>
+      <p:sp>
+        <p:nvSpPr>
+          <p:cNvPr id="4" name="Text 2"/>
+          <p:cNvSpPr/>
+          <p:nvPr/>
+        </p:nvSpPr>
+        <p:spPr>
+          <a:xfrm>
+            <a:off x="6319520" y="742315"/>
+            <a:ext cx="6759575" cy="908050"/>
+          </a:xfrm>
+          <a:prstGeom prst="rect">
+            <a:avLst/>
+          </a:prstGeom>
+          <a:noFill/>
+        </p:spPr>
+        <p:txBody>
+          <a:bodyPr wrap="square" rtlCol="0" anchor="t"/>
+          <a:lstStyle/>
+          <a:p>
+            <a:pPr marL="0" indent="0" algn="ctr">
+              <a:lnSpc>
+                <a:spcPts val="5470"/>
+              </a:lnSpc>
+              <a:buNone/>
+            </a:pPr>
+            <a:r>
+              <a:rPr lang="en-US" sz="4375" b="1" kern="0" spc="-131" dirty="0">
+                <a:solidFill>
+                  <a:srgbClr val="FFFFFF"/>
+                </a:solidFill>
+                <a:latin typeface="Inter" pitchFamily="34" charset="0"/>
+                <a:ea typeface="Inter" pitchFamily="34" charset="-122"/>
+                <a:cs typeface="Inter" pitchFamily="34" charset="-120"/>
+              </a:rPr>
+              <a:t>Qsort()</a:t>
+            </a:r>
+            <a:endParaRPr lang="en-US" sz="4375" dirty="0"/>
+          </a:p>
+        </p:txBody>
+      </p:sp>
+      <p:sp>
+        <p:nvSpPr>
+          <p:cNvPr id="8" name="Text 6"/>
+          <p:cNvSpPr/>
+          <p:nvPr/>
+        </p:nvSpPr>
+        <p:spPr>
+          <a:xfrm>
+            <a:off x="6323330" y="3170555"/>
+            <a:ext cx="6737985" cy="4688840"/>
+          </a:xfrm>
+          <a:prstGeom prst="rect">
+            <a:avLst/>
+          </a:prstGeom>
+          <a:noFill/>
+        </p:spPr>
+        <p:txBody>
+          <a:bodyPr wrap="square" rtlCol="0" anchor="t"/>
+          <a:lstStyle/>
+          <a:p>
+            <a:pPr marL="0" indent="0">
+              <a:lnSpc>
+                <a:spcPts val="2800"/>
+              </a:lnSpc>
+              <a:buNone/>
+            </a:pPr>
+            <a:r>
+              <a:rPr lang="en-US" sz="2800" kern="0" spc="-35" dirty="0">
+                <a:solidFill>
+                  <a:srgbClr val="E5E0DF"/>
+                </a:solidFill>
+                <a:latin typeface="Inter" pitchFamily="34" charset="0"/>
+                <a:ea typeface="Inter" pitchFamily="34" charset="-122"/>
+                <a:cs typeface="Inter" pitchFamily="34" charset="-120"/>
+              </a:rPr>
+              <a:t>Example: </a:t>
+            </a:r>
+            <a:endParaRPr lang="en-US" sz="2800" kern="0" spc="-35" dirty="0">
+              <a:solidFill>
+                <a:srgbClr val="E5E0DF"/>
+              </a:solidFill>
+              <a:latin typeface="Inter" pitchFamily="34" charset="0"/>
+              <a:ea typeface="Inter" pitchFamily="34" charset="-122"/>
+              <a:cs typeface="Inter" pitchFamily="34" charset="-120"/>
+            </a:endParaRPr>
+          </a:p>
+          <a:p>
+            <a:pPr marL="0" indent="0">
+              <a:lnSpc>
+                <a:spcPts val="2800"/>
+              </a:lnSpc>
+              <a:buNone/>
+            </a:pPr>
+            <a:endParaRPr lang="en-US" sz="2800" kern="0" spc="-35" dirty="0">
+              <a:solidFill>
+                <a:srgbClr val="E5E0DF"/>
+              </a:solidFill>
+              <a:latin typeface="Inter" pitchFamily="34" charset="0"/>
+              <a:ea typeface="Inter" pitchFamily="34" charset="-122"/>
+              <a:cs typeface="Inter" pitchFamily="34" charset="-120"/>
+            </a:endParaRPr>
+          </a:p>
+          <a:p>
+            <a:pPr marL="0" indent="0">
+              <a:lnSpc>
+                <a:spcPts val="2800"/>
+              </a:lnSpc>
+              <a:buNone/>
+            </a:pPr>
+            <a:r>
+              <a:rPr lang="en-US" sz="2800" kern="0" spc="-35" dirty="0">
+                <a:solidFill>
+                  <a:srgbClr val="E5E0DF"/>
+                </a:solidFill>
+                <a:latin typeface="Inter" pitchFamily="34" charset="0"/>
+                <a:ea typeface="Inter" pitchFamily="34" charset="-122"/>
+                <a:cs typeface="Inter" pitchFamily="34" charset="-120"/>
+              </a:rPr>
+              <a:t>int cmpfunc (const void * a, const void * b) {</a:t>
+            </a:r>
+            <a:endParaRPr lang="en-US" sz="2800" kern="0" spc="-35" dirty="0">
+              <a:solidFill>
+                <a:srgbClr val="E5E0DF"/>
+              </a:solidFill>
+              <a:latin typeface="Inter" pitchFamily="34" charset="0"/>
+              <a:ea typeface="Inter" pitchFamily="34" charset="-122"/>
+              <a:cs typeface="Inter" pitchFamily="34" charset="-120"/>
+            </a:endParaRPr>
+          </a:p>
+          <a:p>
+            <a:pPr marL="0" indent="0">
+              <a:lnSpc>
+                <a:spcPts val="2800"/>
+              </a:lnSpc>
+              <a:buNone/>
+            </a:pPr>
+            <a:r>
+              <a:rPr lang="en-US" sz="2800" kern="0" spc="-35" dirty="0">
+                <a:solidFill>
+                  <a:srgbClr val="E5E0DF"/>
+                </a:solidFill>
+                <a:latin typeface="Inter" pitchFamily="34" charset="0"/>
+                <a:ea typeface="Inter" pitchFamily="34" charset="-122"/>
+                <a:cs typeface="Inter" pitchFamily="34" charset="-120"/>
+              </a:rPr>
+              <a:t>   return ( *(int*)a - *(int*)b );</a:t>
+            </a:r>
+            <a:endParaRPr lang="en-US" sz="2800" kern="0" spc="-35" dirty="0">
+              <a:solidFill>
+                <a:srgbClr val="E5E0DF"/>
+              </a:solidFill>
+              <a:latin typeface="Inter" pitchFamily="34" charset="0"/>
+              <a:ea typeface="Inter" pitchFamily="34" charset="-122"/>
+              <a:cs typeface="Inter" pitchFamily="34" charset="-120"/>
+            </a:endParaRPr>
+          </a:p>
+          <a:p>
+            <a:pPr marL="0" indent="0">
+              <a:lnSpc>
+                <a:spcPts val="2800"/>
+              </a:lnSpc>
+              <a:buNone/>
+            </a:pPr>
+            <a:r>
+              <a:rPr lang="en-US" sz="2800" kern="0" spc="-35" dirty="0">
+                <a:solidFill>
+                  <a:srgbClr val="E5E0DF"/>
+                </a:solidFill>
+                <a:latin typeface="Inter" pitchFamily="34" charset="0"/>
+                <a:ea typeface="Inter" pitchFamily="34" charset="-122"/>
+                <a:cs typeface="Inter" pitchFamily="34" charset="-120"/>
+              </a:rPr>
+              <a:t>}</a:t>
+            </a:r>
+            <a:endParaRPr lang="en-US" sz="2800" kern="0" spc="-35" dirty="0">
+              <a:solidFill>
+                <a:srgbClr val="E5E0DF"/>
+              </a:solidFill>
+              <a:latin typeface="Inter" pitchFamily="34" charset="0"/>
+              <a:ea typeface="Inter" pitchFamily="34" charset="-122"/>
+              <a:cs typeface="Inter" pitchFamily="34" charset="-120"/>
+            </a:endParaRPr>
+          </a:p>
+          <a:p>
+            <a:pPr marL="0" indent="0">
+              <a:lnSpc>
+                <a:spcPts val="2800"/>
+              </a:lnSpc>
+              <a:buNone/>
+            </a:pPr>
+            <a:endParaRPr lang="en-US" sz="2800" kern="0" spc="-35" dirty="0">
+              <a:solidFill>
+                <a:srgbClr val="E5E0DF"/>
+              </a:solidFill>
+              <a:latin typeface="Inter" pitchFamily="34" charset="0"/>
+              <a:ea typeface="Inter" pitchFamily="34" charset="-122"/>
+              <a:cs typeface="Inter" pitchFamily="34" charset="-120"/>
+            </a:endParaRPr>
+          </a:p>
+          <a:p>
+            <a:pPr marL="0" indent="0">
+              <a:lnSpc>
+                <a:spcPts val="2800"/>
+              </a:lnSpc>
+              <a:buNone/>
+            </a:pPr>
+            <a:r>
+              <a:rPr lang="en-US" sz="2800" kern="0" spc="-35" dirty="0">
+                <a:solidFill>
+                  <a:srgbClr val="E5E0DF"/>
+                </a:solidFill>
+                <a:latin typeface="Inter" pitchFamily="34" charset="0"/>
+                <a:ea typeface="Inter" pitchFamily="34" charset="-122"/>
+                <a:cs typeface="Inter" pitchFamily="34" charset="-120"/>
+              </a:rPr>
+              <a:t>qsort(values, 5, sizeof(int), cmpfunc);</a:t>
+            </a:r>
+            <a:endParaRPr lang="en-US" sz="2800" kern="0" spc="-35" dirty="0">
+              <a:solidFill>
+                <a:srgbClr val="E5E0DF"/>
+              </a:solidFill>
+              <a:latin typeface="Inter" pitchFamily="34" charset="0"/>
+              <a:ea typeface="Inter" pitchFamily="34" charset="-122"/>
+              <a:cs typeface="Inter" pitchFamily="34" charset="-120"/>
+            </a:endParaRPr>
+          </a:p>
+        </p:txBody>
+      </p:sp>
+      <p:pic>
+        <p:nvPicPr>
+          <p:cNvPr id="13" name="Image 0" descr="preencoded.png"/>
+          <p:cNvPicPr>
+            <a:picLocks noChangeAspect="1"/>
+          </p:cNvPicPr>
+          <p:nvPr/>
+        </p:nvPicPr>
+        <p:blipFill>
+          <a:blip r:embed="rId1"/>
+          <a:stretch>
+            <a:fillRect/>
+          </a:stretch>
+        </p:blipFill>
+        <p:spPr>
+          <a:xfrm>
+            <a:off x="0" y="0"/>
             <a:ext cx="5486400" cy="8229600"/>
           </a:xfrm>
           <a:prstGeom prst="rect">
